--- a/output/LDDFB.pptx
+++ b/output/LDDFB.pptx
@@ -9,7 +9,7 @@
     <p:sldMasterId id="2147483700" r:id="rId5"/>
   </p:sldMasterIdLst>
   <p:notesMasterIdLst>
-    <p:notesMasterId r:id="rId37"/>
+    <p:notesMasterId r:id="rId39"/>
   </p:notesMasterIdLst>
   <p:sldIdLst>
     <p:sldId id="256" r:id="rId6"/>
@@ -40,9 +40,11 @@
     <p:sldId id="314" r:id="rId31"/>
     <p:sldId id="315" r:id="rId32"/>
     <p:sldId id="313" r:id="rId33"/>
-    <p:sldId id="316" r:id="rId34"/>
-    <p:sldId id="317" r:id="rId35"/>
-    <p:sldId id="318" r:id="rId36"/>
+    <p:sldId id="319" r:id="rId34"/>
+    <p:sldId id="320" r:id="rId35"/>
+    <p:sldId id="316" r:id="rId36"/>
+    <p:sldId id="317" r:id="rId37"/>
+    <p:sldId id="318" r:id="rId38"/>
   </p:sldIdLst>
   <p:sldSz cx="9144000" cy="6858000" type="screen4x3"/>
   <p:notesSz cx="6858000" cy="9144000"/>
@@ -141,6 +143,11 @@
       </a:defRPr>
     </a:lvl9pPr>
   </p:defaultTextStyle>
+  <p:extLst>
+    <p:ext uri="{EFAFB233-063F-42B5-8137-9DF3F51BA10A}">
+      <p15:sldGuideLst xmlns:p15="http://schemas.microsoft.com/office/powerpoint/2012/main"/>
+    </p:ext>
+  </p:extLst>
 </p:presentation>
 </file>
 
@@ -13363,11 +13370,7 @@
             </a:pPr>
             <a:r>
               <a:rPr lang="en-US" dirty="0" smtClean="0"/>
-              <a:t> </a:t>
-            </a:r>
-            <a:r>
-              <a:rPr lang="en-US" dirty="0" smtClean="0"/>
-              <a:t>Enabling SPI support in the host</a:t>
+              <a:t> Enabling SPI support in the host</a:t>
             </a:r>
           </a:p>
           <a:p>
@@ -13545,7 +13548,7 @@
                 </a:solidFill>
                 <a:latin typeface="Arial"/>
               </a:rPr>
-              <a:t>Testing</a:t>
+              <a:t>Flow diagram</a:t>
             </a:r>
             <a:endParaRPr dirty="0"/>
           </a:p>
@@ -13691,16 +13694,7 @@
                 <a:spcPct val="100000"/>
               </a:lnSpc>
             </a:pPr>
-            <a:r>
-              <a:rPr lang="en-IN" sz="1400">
-                <a:solidFill>
-                  <a:srgbClr val="002052"/>
-                </a:solidFill>
-                <a:latin typeface="Arial"/>
-              </a:rPr>
-              <a:t>The Bluetooth Stack is divided into three components.</a:t>
-            </a:r>
-            <a:endParaRPr/>
+            <a:endParaRPr dirty="0"/>
           </a:p>
           <a:p>
             <a:pPr>
@@ -13708,105 +13702,7 @@
                 <a:spcPct val="100000"/>
               </a:lnSpc>
             </a:pPr>
-            <a:endParaRPr/>
-          </a:p>
-          <a:p>
-            <a:pPr>
-              <a:lnSpc>
-                <a:spcPct val="100000"/>
-              </a:lnSpc>
-              <a:buFont typeface="StarSymbol"/>
-              <a:buAutoNum type="arabicPeriod"/>
-            </a:pPr>
-            <a:r>
-              <a:rPr lang="en-IN" sz="1400">
-                <a:solidFill>
-                  <a:srgbClr val="002052"/>
-                </a:solidFill>
-                <a:latin typeface="Arial"/>
-              </a:rPr>
-              <a:t>The controller</a:t>
-            </a:r>
-            <a:endParaRPr/>
-          </a:p>
-          <a:p>
-            <a:pPr>
-              <a:lnSpc>
-                <a:spcPct val="100000"/>
-              </a:lnSpc>
-              <a:buFont typeface="StarSymbol"/>
-              <a:buAutoNum type="arabicPeriod"/>
-            </a:pPr>
-            <a:r>
-              <a:rPr lang="en-IN" sz="1400">
-                <a:solidFill>
-                  <a:srgbClr val="002052"/>
-                </a:solidFill>
-                <a:latin typeface="Arial"/>
-              </a:rPr>
-              <a:t>The Host</a:t>
-            </a:r>
-            <a:endParaRPr/>
-          </a:p>
-          <a:p>
-            <a:pPr>
-              <a:lnSpc>
-                <a:spcPct val="100000"/>
-              </a:lnSpc>
-              <a:buFont typeface="StarSymbol"/>
-              <a:buAutoNum type="arabicPeriod"/>
-            </a:pPr>
-            <a:r>
-              <a:rPr lang="en-IN" sz="1400">
-                <a:solidFill>
-                  <a:srgbClr val="002052"/>
-                </a:solidFill>
-                <a:latin typeface="Arial"/>
-              </a:rPr>
-              <a:t>The Application</a:t>
-            </a:r>
-            <a:endParaRPr/>
-          </a:p>
-          <a:p>
-            <a:pPr>
-              <a:lnSpc>
-                <a:spcPct val="100000"/>
-              </a:lnSpc>
-            </a:pPr>
-            <a:endParaRPr/>
-          </a:p>
-          <a:p>
-            <a:pPr>
-              <a:lnSpc>
-                <a:spcPct val="100000"/>
-              </a:lnSpc>
-            </a:pPr>
-            <a:r>
-              <a:rPr lang="en-IN" sz="1400">
-                <a:solidFill>
-                  <a:srgbClr val="002052"/>
-                </a:solidFill>
-                <a:latin typeface="Arial"/>
-              </a:rPr>
-              <a:t>Another important component is the Host Controller Interface.</a:t>
-            </a:r>
-            <a:endParaRPr/>
-          </a:p>
-          <a:p>
-            <a:pPr>
-              <a:lnSpc>
-                <a:spcPct val="100000"/>
-              </a:lnSpc>
-            </a:pPr>
-            <a:endParaRPr/>
-          </a:p>
-          <a:p>
-            <a:pPr>
-              <a:lnSpc>
-                <a:spcPct val="100000"/>
-              </a:lnSpc>
-            </a:pPr>
-            <a:endParaRPr/>
+            <a:endParaRPr dirty="0"/>
           </a:p>
         </p:txBody>
       </p:sp>
@@ -13852,28 +13748,22 @@
       </p:sp>
       <p:pic>
         <p:nvPicPr>
-          <p:cNvPr id="2" name="Picture 1"/>
+          <p:cNvPr id="3" name="Picture 2"/>
           <p:cNvPicPr>
             <a:picLocks noChangeAspect="1"/>
           </p:cNvPicPr>
           <p:nvPr/>
         </p:nvPicPr>
         <p:blipFill>
-          <a:blip r:embed="rId2" cstate="print">
-            <a:extLst>
-              <a:ext uri="{28A0092B-C50C-407E-A947-70E740481C1C}">
-                <a14:useLocalDpi xmlns:a14="http://schemas.microsoft.com/office/drawing/2010/main" val="0"/>
-              </a:ext>
-            </a:extLst>
-          </a:blip>
+          <a:blip r:embed="rId2"/>
           <a:stretch>
             <a:fillRect/>
           </a:stretch>
         </p:blipFill>
         <p:spPr>
           <a:xfrm>
-            <a:off x="434913" y="1174174"/>
-            <a:ext cx="8312727" cy="5070764"/>
+            <a:off x="2325399" y="1611890"/>
+            <a:ext cx="4181475" cy="3571875"/>
           </a:xfrm>
           <a:prstGeom prst="rect">
             <a:avLst/>
@@ -13912,14 +13802,14 @@
       </p:grpSpPr>
       <p:sp>
         <p:nvSpPr>
-          <p:cNvPr id="255" name="CustomShape 1"/>
+          <p:cNvPr id="254" name="CustomShape 1"/>
           <p:cNvSpPr/>
           <p:nvPr/>
         </p:nvSpPr>
         <p:spPr>
           <a:xfrm>
-            <a:off x="457200" y="116640"/>
-            <a:ext cx="8074440" cy="1142280"/>
+            <a:off x="585000" y="4281120"/>
+            <a:ext cx="7771680" cy="1361520"/>
           </a:xfrm>
           <a:prstGeom prst="rect">
             <a:avLst/>
@@ -13930,215 +13820,31 @@
           </a:ln>
         </p:spPr>
         <p:txBody>
-          <a:bodyPr lIns="90000" tIns="45000" rIns="90000" bIns="45000" anchor="ctr"/>
-          <a:lstStyle/>
-          <a:p>
-            <a:pPr algn="r">
+          <a:bodyPr lIns="90000" tIns="45000" rIns="90000" bIns="45000"/>
+          <a:lstStyle/>
+          <a:p>
+            <a:pPr>
               <a:lnSpc>
                 <a:spcPct val="100000"/>
               </a:lnSpc>
             </a:pPr>
             <a:r>
-              <a:rPr lang="en-IN" sz="3600" dirty="0" smtClean="0">
+              <a:rPr lang="en-IN" sz="4000" dirty="0" smtClean="0">
                 <a:solidFill>
                   <a:srgbClr val="39A9DC"/>
                 </a:solidFill>
                 <a:latin typeface="Arial"/>
               </a:rPr>
-              <a:t>Adapter availability</a:t>
+              <a:t>Testing</a:t>
             </a:r>
             <a:endParaRPr dirty="0"/>
           </a:p>
         </p:txBody>
       </p:sp>
-      <p:sp>
-        <p:nvSpPr>
-          <p:cNvPr id="256" name="CustomShape 2"/>
-          <p:cNvSpPr/>
-          <p:nvPr/>
-        </p:nvSpPr>
-        <p:spPr>
-          <a:xfrm>
-            <a:off x="8617680" y="678600"/>
-            <a:ext cx="544320" cy="197280"/>
-          </a:xfrm>
-          <a:prstGeom prst="rect">
-            <a:avLst/>
-          </a:prstGeom>
-          <a:noFill/>
-          <a:ln>
-            <a:noFill/>
-          </a:ln>
-        </p:spPr>
-        <p:txBody>
-          <a:bodyPr lIns="90000" tIns="45000" rIns="90000" bIns="45000" anchor="ctr"/>
-          <a:lstStyle/>
-          <a:p>
-            <a:pPr>
-              <a:lnSpc>
-                <a:spcPct val="100000"/>
-              </a:lnSpc>
-            </a:pPr>
-            <a:fld id="{88743203-4D38-42BE-9D4F-53EA78A27CE2}" type="slidenum">
-              <a:rPr lang="en-IN" sz="1200">
-                <a:solidFill>
-                  <a:srgbClr val="FFFFFF"/>
-                </a:solidFill>
-                <a:latin typeface="Arial"/>
-              </a:rPr>
-              <a:t>29</a:t>
-            </a:fld>
-            <a:endParaRPr/>
-          </a:p>
-        </p:txBody>
-      </p:sp>
-      <p:sp>
-        <p:nvSpPr>
-          <p:cNvPr id="257" name="CustomShape 3"/>
-          <p:cNvSpPr/>
-          <p:nvPr/>
-        </p:nvSpPr>
-        <p:spPr>
-          <a:xfrm>
-            <a:off x="5292000" y="1772640"/>
-            <a:ext cx="3527640" cy="4059000"/>
-          </a:xfrm>
-          <a:prstGeom prst="rect">
-            <a:avLst/>
-          </a:prstGeom>
-          <a:noFill/>
-          <a:ln>
-            <a:noFill/>
-          </a:ln>
-        </p:spPr>
-        <p:txBody>
-          <a:bodyPr lIns="90000" tIns="45000" rIns="90000" bIns="45000"/>
-          <a:lstStyle/>
-          <a:p>
-            <a:pPr>
-              <a:lnSpc>
-                <a:spcPct val="100000"/>
-              </a:lnSpc>
-            </a:pPr>
-            <a:r>
-              <a:rPr lang="en-US" dirty="0" smtClean="0"/>
-              <a:t>This can be done using the following command </a:t>
-            </a:r>
-          </a:p>
-          <a:p>
-            <a:pPr>
-              <a:lnSpc>
-                <a:spcPct val="100000"/>
-              </a:lnSpc>
-            </a:pPr>
-            <a:r>
-              <a:rPr lang="en-US" b="1" dirty="0" err="1" smtClean="0"/>
-              <a:t>sudo</a:t>
-            </a:r>
-            <a:r>
-              <a:rPr lang="en-US" b="1" dirty="0" smtClean="0"/>
-              <a:t> </a:t>
-            </a:r>
-            <a:r>
-              <a:rPr lang="en-US" b="1" dirty="0" err="1" smtClean="0"/>
-              <a:t>hciconfig</a:t>
-            </a:r>
-            <a:r>
-              <a:rPr lang="en-US" b="1" dirty="0" smtClean="0"/>
-              <a:t> hci0 </a:t>
-            </a:r>
-            <a:r>
-              <a:rPr lang="en-US" b="1" dirty="0" err="1" smtClean="0"/>
-              <a:t>lestates</a:t>
-            </a:r>
-            <a:r>
-              <a:rPr lang="en-US" b="1" dirty="0" smtClean="0"/>
-              <a:t>  </a:t>
-            </a:r>
-            <a:r>
-              <a:rPr lang="en-US" dirty="0" smtClean="0"/>
-              <a:t>This command should return the output given in the picture.</a:t>
-            </a:r>
-            <a:endParaRPr dirty="0"/>
-          </a:p>
-          <a:p>
-            <a:pPr>
-              <a:lnSpc>
-                <a:spcPct val="100000"/>
-              </a:lnSpc>
-            </a:pPr>
-            <a:endParaRPr dirty="0"/>
-          </a:p>
-        </p:txBody>
-      </p:sp>
-      <p:sp>
-        <p:nvSpPr>
-          <p:cNvPr id="258" name="CustomShape 4"/>
-          <p:cNvSpPr/>
-          <p:nvPr/>
-        </p:nvSpPr>
-        <p:spPr>
-          <a:xfrm>
-            <a:off x="5364000" y="2637000"/>
-            <a:ext cx="3383640" cy="1368720"/>
-          </a:xfrm>
-          <a:prstGeom prst="rect">
-            <a:avLst/>
-          </a:prstGeom>
-          <a:noFill/>
-          <a:ln>
-            <a:noFill/>
-          </a:ln>
-        </p:spPr>
-      </p:sp>
-      <p:sp>
-        <p:nvSpPr>
-          <p:cNvPr id="259" name="CustomShape 5"/>
-          <p:cNvSpPr/>
-          <p:nvPr/>
-        </p:nvSpPr>
-        <p:spPr>
-          <a:xfrm>
-            <a:off x="5436000" y="4941000"/>
-            <a:ext cx="3311640" cy="729360"/>
-          </a:xfrm>
-          <a:prstGeom prst="rect">
-            <a:avLst/>
-          </a:prstGeom>
-          <a:noFill/>
-          <a:ln>
-            <a:noFill/>
-          </a:ln>
-        </p:spPr>
-      </p:sp>
-      <p:pic>
-        <p:nvPicPr>
-          <p:cNvPr id="2" name="Picture 1"/>
-          <p:cNvPicPr>
-            <a:picLocks noChangeAspect="1"/>
-          </p:cNvPicPr>
-          <p:nvPr/>
-        </p:nvPicPr>
-        <p:blipFill>
-          <a:blip r:embed="rId2"/>
-          <a:stretch>
-            <a:fillRect/>
-          </a:stretch>
-        </p:blipFill>
-        <p:spPr>
-          <a:xfrm>
-            <a:off x="529936" y="1527896"/>
-            <a:ext cx="4690064" cy="3968895"/>
-          </a:xfrm>
-          <a:prstGeom prst="rect">
-            <a:avLst/>
-          </a:prstGeom>
-        </p:spPr>
-      </p:pic>
     </p:spTree>
     <p:extLst>
       <p:ext uri="{BB962C8B-B14F-4D97-AF65-F5344CB8AC3E}">
-        <p14:creationId xmlns:p14="http://schemas.microsoft.com/office/powerpoint/2010/main" val="2556245355"/>
+        <p14:creationId xmlns:p14="http://schemas.microsoft.com/office/powerpoint/2010/main" val="73775531"/>
       </p:ext>
     </p:extLst>
   </p:cSld>
@@ -14445,25 +14151,7 @@
                 </a:solidFill>
                 <a:latin typeface="Arial"/>
               </a:rPr>
-              <a:t>BLE </a:t>
-            </a:r>
-            <a:r>
-              <a:rPr lang="en-IN" sz="3600" dirty="0" err="1" smtClean="0">
-                <a:solidFill>
-                  <a:srgbClr val="39A9DC"/>
-                </a:solidFill>
-                <a:latin typeface="Arial"/>
-              </a:rPr>
-              <a:t>Gatttool</a:t>
-            </a:r>
-            <a:r>
-              <a:rPr lang="en-IN" sz="3600" dirty="0" smtClean="0">
-                <a:solidFill>
-                  <a:srgbClr val="39A9DC"/>
-                </a:solidFill>
-                <a:latin typeface="Arial"/>
-              </a:rPr>
-              <a:t> Interaction</a:t>
+              <a:t>Hardware connections</a:t>
             </a:r>
             <a:endParaRPr dirty="0"/>
           </a:p>
@@ -14533,241 +14221,388 @@
           <a:bodyPr lIns="90000" tIns="45000" rIns="90000" bIns="45000"/>
           <a:lstStyle/>
           <a:p>
-            <a:pPr marL="342900" indent="-342900">
+            <a:pPr>
               <a:lnSpc>
                 <a:spcPct val="100000"/>
               </a:lnSpc>
-              <a:buFont typeface="+mj-lt"/>
+            </a:pPr>
+            <a:r>
+              <a:rPr lang="en-IN" sz="1400">
+                <a:solidFill>
+                  <a:srgbClr val="002052"/>
+                </a:solidFill>
+                <a:latin typeface="Arial"/>
+              </a:rPr>
+              <a:t>The Bluetooth Stack is divided into three components.</a:t>
+            </a:r>
+            <a:endParaRPr/>
+          </a:p>
+          <a:p>
+            <a:pPr>
+              <a:lnSpc>
+                <a:spcPct val="100000"/>
+              </a:lnSpc>
+            </a:pPr>
+            <a:endParaRPr/>
+          </a:p>
+          <a:p>
+            <a:pPr>
+              <a:lnSpc>
+                <a:spcPct val="100000"/>
+              </a:lnSpc>
+              <a:buFont typeface="StarSymbol"/>
               <a:buAutoNum type="arabicPeriod"/>
             </a:pPr>
             <a:r>
-              <a:rPr lang="en-US" sz="1400" dirty="0" smtClean="0"/>
-              <a:t>Find out the MAC ADDR of the other device using </a:t>
-            </a:r>
-          </a:p>
-          <a:p>
-            <a:pPr lvl="1"/>
-            <a:r>
-              <a:rPr lang="en-US" sz="1400" b="1" dirty="0" err="1" smtClean="0"/>
+              <a:rPr lang="en-IN" sz="1400">
+                <a:solidFill>
+                  <a:srgbClr val="002052"/>
+                </a:solidFill>
+                <a:latin typeface="Arial"/>
+              </a:rPr>
+              <a:t>The controller</a:t>
+            </a:r>
+            <a:endParaRPr/>
+          </a:p>
+          <a:p>
+            <a:pPr>
+              <a:lnSpc>
+                <a:spcPct val="100000"/>
+              </a:lnSpc>
+              <a:buFont typeface="StarSymbol"/>
+              <a:buAutoNum type="arabicPeriod"/>
+            </a:pPr>
+            <a:r>
+              <a:rPr lang="en-IN" sz="1400">
+                <a:solidFill>
+                  <a:srgbClr val="002052"/>
+                </a:solidFill>
+                <a:latin typeface="Arial"/>
+              </a:rPr>
+              <a:t>The Host</a:t>
+            </a:r>
+            <a:endParaRPr/>
+          </a:p>
+          <a:p>
+            <a:pPr>
+              <a:lnSpc>
+                <a:spcPct val="100000"/>
+              </a:lnSpc>
+              <a:buFont typeface="StarSymbol"/>
+              <a:buAutoNum type="arabicPeriod"/>
+            </a:pPr>
+            <a:r>
+              <a:rPr lang="en-IN" sz="1400">
+                <a:solidFill>
+                  <a:srgbClr val="002052"/>
+                </a:solidFill>
+                <a:latin typeface="Arial"/>
+              </a:rPr>
+              <a:t>The Application</a:t>
+            </a:r>
+            <a:endParaRPr/>
+          </a:p>
+          <a:p>
+            <a:pPr>
+              <a:lnSpc>
+                <a:spcPct val="100000"/>
+              </a:lnSpc>
+            </a:pPr>
+            <a:endParaRPr/>
+          </a:p>
+          <a:p>
+            <a:pPr>
+              <a:lnSpc>
+                <a:spcPct val="100000"/>
+              </a:lnSpc>
+            </a:pPr>
+            <a:r>
+              <a:rPr lang="en-IN" sz="1400">
+                <a:solidFill>
+                  <a:srgbClr val="002052"/>
+                </a:solidFill>
+                <a:latin typeface="Arial"/>
+              </a:rPr>
+              <a:t>Another important component is the Host Controller Interface.</a:t>
+            </a:r>
+            <a:endParaRPr/>
+          </a:p>
+          <a:p>
+            <a:pPr>
+              <a:lnSpc>
+                <a:spcPct val="100000"/>
+              </a:lnSpc>
+            </a:pPr>
+            <a:endParaRPr/>
+          </a:p>
+          <a:p>
+            <a:pPr>
+              <a:lnSpc>
+                <a:spcPct val="100000"/>
+              </a:lnSpc>
+            </a:pPr>
+            <a:endParaRPr/>
+          </a:p>
+        </p:txBody>
+      </p:sp>
+      <p:sp>
+        <p:nvSpPr>
+          <p:cNvPr id="258" name="CustomShape 4"/>
+          <p:cNvSpPr/>
+          <p:nvPr/>
+        </p:nvSpPr>
+        <p:spPr>
+          <a:xfrm>
+            <a:off x="5364000" y="2637000"/>
+            <a:ext cx="3383640" cy="1368720"/>
+          </a:xfrm>
+          <a:prstGeom prst="rect">
+            <a:avLst/>
+          </a:prstGeom>
+          <a:noFill/>
+          <a:ln>
+            <a:noFill/>
+          </a:ln>
+        </p:spPr>
+      </p:sp>
+      <p:sp>
+        <p:nvSpPr>
+          <p:cNvPr id="259" name="CustomShape 5"/>
+          <p:cNvSpPr/>
+          <p:nvPr/>
+        </p:nvSpPr>
+        <p:spPr>
+          <a:xfrm>
+            <a:off x="5436000" y="4941000"/>
+            <a:ext cx="3311640" cy="729360"/>
+          </a:xfrm>
+          <a:prstGeom prst="rect">
+            <a:avLst/>
+          </a:prstGeom>
+          <a:noFill/>
+          <a:ln>
+            <a:noFill/>
+          </a:ln>
+        </p:spPr>
+      </p:sp>
+      <p:pic>
+        <p:nvPicPr>
+          <p:cNvPr id="2" name="Picture 1"/>
+          <p:cNvPicPr>
+            <a:picLocks noChangeAspect="1"/>
+          </p:cNvPicPr>
+          <p:nvPr/>
+        </p:nvPicPr>
+        <p:blipFill>
+          <a:blip r:embed="rId2" cstate="print">
+            <a:extLst>
+              <a:ext uri="{28A0092B-C50C-407E-A947-70E740481C1C}">
+                <a14:useLocalDpi xmlns:a14="http://schemas.microsoft.com/office/drawing/2010/main" val="0"/>
+              </a:ext>
+            </a:extLst>
+          </a:blip>
+          <a:stretch>
+            <a:fillRect/>
+          </a:stretch>
+        </p:blipFill>
+        <p:spPr>
+          <a:xfrm>
+            <a:off x="434913" y="1174174"/>
+            <a:ext cx="8312727" cy="5070764"/>
+          </a:xfrm>
+          <a:prstGeom prst="rect">
+            <a:avLst/>
+          </a:prstGeom>
+        </p:spPr>
+      </p:pic>
+    </p:spTree>
+    <p:extLst>
+      <p:ext uri="{BB962C8B-B14F-4D97-AF65-F5344CB8AC3E}">
+        <p14:creationId xmlns:p14="http://schemas.microsoft.com/office/powerpoint/2010/main" val="2587604632"/>
+      </p:ext>
+    </p:extLst>
+  </p:cSld>
+  <p:clrMapOvr>
+    <a:masterClrMapping/>
+  </p:clrMapOvr>
+</p:sld>
+</file>
+
+<file path=ppt/slides/slide31.xml><?xml version="1.0" encoding="utf-8"?>
+<p:sld xmlns:a="http://schemas.openxmlformats.org/drawingml/2006/main" xmlns:r="http://schemas.openxmlformats.org/officeDocument/2006/relationships" xmlns:p="http://schemas.openxmlformats.org/presentationml/2006/main">
+  <p:cSld>
+    <p:spTree>
+      <p:nvGrpSpPr>
+        <p:cNvPr id="1" name=""/>
+        <p:cNvGrpSpPr/>
+        <p:nvPr/>
+      </p:nvGrpSpPr>
+      <p:grpSpPr>
+        <a:xfrm>
+          <a:off x="0" y="0"/>
+          <a:ext cx="0" cy="0"/>
+          <a:chOff x="0" y="0"/>
+          <a:chExt cx="0" cy="0"/>
+        </a:xfrm>
+      </p:grpSpPr>
+      <p:sp>
+        <p:nvSpPr>
+          <p:cNvPr id="255" name="CustomShape 1"/>
+          <p:cNvSpPr/>
+          <p:nvPr/>
+        </p:nvSpPr>
+        <p:spPr>
+          <a:xfrm>
+            <a:off x="457200" y="116640"/>
+            <a:ext cx="8074440" cy="1142280"/>
+          </a:xfrm>
+          <a:prstGeom prst="rect">
+            <a:avLst/>
+          </a:prstGeom>
+          <a:noFill/>
+          <a:ln>
+            <a:noFill/>
+          </a:ln>
+        </p:spPr>
+        <p:txBody>
+          <a:bodyPr lIns="90000" tIns="45000" rIns="90000" bIns="45000" anchor="ctr"/>
+          <a:lstStyle/>
+          <a:p>
+            <a:pPr algn="r">
+              <a:lnSpc>
+                <a:spcPct val="100000"/>
+              </a:lnSpc>
+            </a:pPr>
+            <a:r>
+              <a:rPr lang="en-IN" sz="3600" dirty="0" smtClean="0">
+                <a:solidFill>
+                  <a:srgbClr val="39A9DC"/>
+                </a:solidFill>
+                <a:latin typeface="Arial"/>
+              </a:rPr>
+              <a:t>Adapter availability</a:t>
+            </a:r>
+            <a:endParaRPr dirty="0"/>
+          </a:p>
+        </p:txBody>
+      </p:sp>
+      <p:sp>
+        <p:nvSpPr>
+          <p:cNvPr id="256" name="CustomShape 2"/>
+          <p:cNvSpPr/>
+          <p:nvPr/>
+        </p:nvSpPr>
+        <p:spPr>
+          <a:xfrm>
+            <a:off x="8617680" y="678600"/>
+            <a:ext cx="544320" cy="197280"/>
+          </a:xfrm>
+          <a:prstGeom prst="rect">
+            <a:avLst/>
+          </a:prstGeom>
+          <a:noFill/>
+          <a:ln>
+            <a:noFill/>
+          </a:ln>
+        </p:spPr>
+        <p:txBody>
+          <a:bodyPr lIns="90000" tIns="45000" rIns="90000" bIns="45000" anchor="ctr"/>
+          <a:lstStyle/>
+          <a:p>
+            <a:pPr>
+              <a:lnSpc>
+                <a:spcPct val="100000"/>
+              </a:lnSpc>
+            </a:pPr>
+            <a:fld id="{88743203-4D38-42BE-9D4F-53EA78A27CE2}" type="slidenum">
+              <a:rPr lang="en-IN" sz="1200">
+                <a:solidFill>
+                  <a:srgbClr val="FFFFFF"/>
+                </a:solidFill>
+                <a:latin typeface="Arial"/>
+              </a:rPr>
+              <a:t>31</a:t>
+            </a:fld>
+            <a:endParaRPr/>
+          </a:p>
+        </p:txBody>
+      </p:sp>
+      <p:sp>
+        <p:nvSpPr>
+          <p:cNvPr id="257" name="CustomShape 3"/>
+          <p:cNvSpPr/>
+          <p:nvPr/>
+        </p:nvSpPr>
+        <p:spPr>
+          <a:xfrm>
+            <a:off x="5292000" y="1772640"/>
+            <a:ext cx="3527640" cy="4059000"/>
+          </a:xfrm>
+          <a:prstGeom prst="rect">
+            <a:avLst/>
+          </a:prstGeom>
+          <a:noFill/>
+          <a:ln>
+            <a:noFill/>
+          </a:ln>
+        </p:spPr>
+        <p:txBody>
+          <a:bodyPr lIns="90000" tIns="45000" rIns="90000" bIns="45000"/>
+          <a:lstStyle/>
+          <a:p>
+            <a:pPr>
+              <a:lnSpc>
+                <a:spcPct val="100000"/>
+              </a:lnSpc>
+            </a:pPr>
+            <a:r>
+              <a:rPr lang="en-US" dirty="0" smtClean="0"/>
+              <a:t>This can be done using the following command </a:t>
+            </a:r>
+          </a:p>
+          <a:p>
+            <a:pPr>
+              <a:lnSpc>
+                <a:spcPct val="100000"/>
+              </a:lnSpc>
+            </a:pPr>
+            <a:r>
+              <a:rPr lang="en-US" b="1" dirty="0" err="1" smtClean="0"/>
               <a:t>sudo</a:t>
             </a:r>
             <a:r>
-              <a:rPr lang="en-US" sz="1400" b="1" dirty="0" smtClean="0"/>
+              <a:rPr lang="en-US" b="1" dirty="0" smtClean="0"/>
               <a:t> </a:t>
             </a:r>
             <a:r>
-              <a:rPr lang="en-US" sz="1400" b="1" dirty="0" err="1" smtClean="0"/>
-              <a:t>hcitool</a:t>
-            </a:r>
-            <a:r>
-              <a:rPr lang="en-US" sz="1400" b="1" dirty="0" smtClean="0"/>
-              <a:t> </a:t>
-            </a:r>
-            <a:r>
-              <a:rPr lang="en-US" sz="1400" b="1" dirty="0" err="1" smtClean="0"/>
-              <a:t>lescan</a:t>
-            </a:r>
-            <a:endParaRPr lang="en-US" sz="1400" b="1" dirty="0"/>
-          </a:p>
-          <a:p>
-            <a:pPr marL="342900" indent="-342900">
-              <a:buFont typeface="+mj-lt"/>
-              <a:buAutoNum type="arabicPeriod"/>
-            </a:pPr>
-            <a:r>
-              <a:rPr lang="en-US" sz="1400" dirty="0" smtClean="0"/>
-              <a:t>Open interactive session using </a:t>
-            </a:r>
-            <a:r>
-              <a:rPr lang="en-US" sz="1400" dirty="0" err="1" smtClean="0"/>
-              <a:t>gatttool</a:t>
-            </a:r>
-            <a:r>
-              <a:rPr lang="en-US" sz="1400" dirty="0" smtClean="0"/>
-              <a:t>: </a:t>
-            </a:r>
-          </a:p>
-          <a:p>
-            <a:pPr lvl="1"/>
-            <a:r>
-              <a:rPr lang="en-US" sz="1400" b="1" dirty="0" err="1" smtClean="0"/>
-              <a:t>sudo</a:t>
-            </a:r>
-            <a:r>
-              <a:rPr lang="en-US" sz="1400" b="1" dirty="0" smtClean="0"/>
-              <a:t> </a:t>
-            </a:r>
-            <a:r>
-              <a:rPr lang="en-US" sz="1400" b="1" dirty="0" err="1" smtClean="0"/>
-              <a:t>gatttool</a:t>
-            </a:r>
-            <a:r>
-              <a:rPr lang="en-US" sz="1400" b="1" dirty="0" smtClean="0"/>
-              <a:t> -</a:t>
-            </a:r>
-            <a:r>
-              <a:rPr lang="en-US" sz="1400" b="1" dirty="0" err="1" smtClean="0"/>
-              <a:t>i</a:t>
-            </a:r>
-            <a:r>
-              <a:rPr lang="en-US" sz="1400" b="1" dirty="0" smtClean="0"/>
-              <a:t> hci0 -b MAC ADDR –I</a:t>
-            </a:r>
-            <a:endParaRPr lang="en-US" sz="1400" b="1" dirty="0"/>
-          </a:p>
-          <a:p>
-            <a:pPr marL="342900" indent="-342900">
-              <a:buFont typeface="+mj-lt"/>
-              <a:buAutoNum type="arabicPeriod"/>
-            </a:pPr>
-            <a:r>
-              <a:rPr lang="en-US" sz="1400" dirty="0" smtClean="0"/>
-              <a:t>In the interactive </a:t>
-            </a:r>
-            <a:r>
-              <a:rPr lang="en-US" sz="1400" dirty="0" err="1" smtClean="0"/>
-              <a:t>sesssion</a:t>
-            </a:r>
-            <a:r>
-              <a:rPr lang="en-US" sz="1400" dirty="0" smtClean="0"/>
-              <a:t> type in the following commands: </a:t>
-            </a:r>
-            <a:r>
-              <a:rPr lang="en-US" sz="1400" b="1" dirty="0" smtClean="0"/>
-              <a:t>connect</a:t>
-            </a:r>
-          </a:p>
-          <a:p>
-            <a:pPr marL="342900" indent="-342900">
-              <a:buFont typeface="+mj-lt"/>
-              <a:buAutoNum type="arabicPeriod"/>
-            </a:pPr>
-            <a:r>
-              <a:rPr lang="en-US" sz="1400" dirty="0" smtClean="0"/>
-              <a:t>Read profiles: </a:t>
-            </a:r>
-            <a:r>
-              <a:rPr lang="en-US" sz="1400" b="1" dirty="0" smtClean="0"/>
-              <a:t>primary</a:t>
-            </a:r>
-          </a:p>
-          <a:p>
-            <a:pPr marL="342900" indent="-342900">
-              <a:buFont typeface="+mj-lt"/>
-              <a:buAutoNum type="arabicPeriod"/>
-            </a:pPr>
-            <a:r>
-              <a:rPr lang="en-US" sz="1400" dirty="0" smtClean="0"/>
-              <a:t>Read all available </a:t>
-            </a:r>
-            <a:r>
-              <a:rPr lang="en-US" sz="1400" dirty="0" err="1" smtClean="0"/>
-              <a:t>characterstics</a:t>
-            </a:r>
-            <a:r>
-              <a:rPr lang="en-US" sz="1400" dirty="0" smtClean="0"/>
-              <a:t>: </a:t>
-            </a:r>
-            <a:r>
-              <a:rPr lang="en-US" sz="1400" b="1" dirty="0" smtClean="0"/>
-              <a:t>char-</a:t>
-            </a:r>
-            <a:r>
-              <a:rPr lang="en-US" sz="1400" b="1" dirty="0" err="1" smtClean="0"/>
-              <a:t>desc</a:t>
-            </a:r>
-            <a:endParaRPr lang="en-US" sz="1400" b="1" dirty="0" smtClean="0"/>
-          </a:p>
-          <a:p>
-            <a:pPr marL="342900" indent="-342900">
-              <a:buFont typeface="+mj-lt"/>
-              <a:buAutoNum type="arabicPeriod"/>
-            </a:pPr>
-            <a:r>
-              <a:rPr lang="en-US" sz="1400" dirty="0" smtClean="0"/>
-              <a:t>Read the value of a </a:t>
-            </a:r>
-            <a:r>
-              <a:rPr lang="en-US" sz="1400" dirty="0" err="1" smtClean="0"/>
-              <a:t>characterstic</a:t>
-            </a:r>
-            <a:r>
-              <a:rPr lang="en-US" sz="1400" dirty="0" smtClean="0"/>
-              <a:t>: </a:t>
-            </a:r>
-            <a:r>
-              <a:rPr lang="en-US" sz="1400" b="1" dirty="0" smtClean="0"/>
-              <a:t>char-read-</a:t>
-            </a:r>
-            <a:r>
-              <a:rPr lang="en-US" sz="1400" b="1" dirty="0" err="1" smtClean="0"/>
-              <a:t>hnd</a:t>
-            </a:r>
-            <a:r>
-              <a:rPr lang="en-US" sz="1400" b="1" dirty="0" smtClean="0"/>
-              <a:t> The </a:t>
-            </a:r>
-            <a:r>
-              <a:rPr lang="en-US" sz="1400" b="1" dirty="0" err="1" smtClean="0"/>
-              <a:t>characterstic</a:t>
-            </a:r>
-            <a:r>
-              <a:rPr lang="en-US" sz="1400" b="1" dirty="0" smtClean="0"/>
-              <a:t> handle</a:t>
-            </a:r>
-            <a:r>
-              <a:rPr lang="en-US" sz="1400" dirty="0" smtClean="0"/>
-              <a:t> </a:t>
-            </a:r>
-          </a:p>
-          <a:p>
-            <a:pPr marL="342900" indent="-342900">
-              <a:buFont typeface="+mj-lt"/>
-              <a:buAutoNum type="arabicPeriod"/>
-            </a:pPr>
-            <a:r>
-              <a:rPr lang="en-US" sz="1400" dirty="0" smtClean="0"/>
-              <a:t>Write to a particular </a:t>
-            </a:r>
-            <a:r>
-              <a:rPr lang="en-US" sz="1400" dirty="0" err="1" smtClean="0"/>
-              <a:t>characterstc</a:t>
-            </a:r>
-            <a:r>
-              <a:rPr lang="en-US" sz="1400" dirty="0" smtClean="0"/>
-              <a:t>: </a:t>
-            </a:r>
-            <a:r>
-              <a:rPr lang="en-US" sz="1400" b="1" dirty="0" smtClean="0"/>
-              <a:t>char-write-</a:t>
-            </a:r>
-            <a:r>
-              <a:rPr lang="en-US" sz="1400" b="1" dirty="0" err="1" smtClean="0"/>
-              <a:t>cmd</a:t>
-            </a:r>
-            <a:r>
-              <a:rPr lang="en-US" sz="1400" b="1" dirty="0" smtClean="0"/>
-              <a:t> handle Value in Hex</a:t>
-            </a:r>
-          </a:p>
-          <a:p>
-            <a:pPr marL="342900" indent="-342900">
-              <a:buFont typeface="+mj-lt"/>
-              <a:buAutoNum type="arabicPeriod"/>
-            </a:pPr>
-            <a:r>
-              <a:rPr lang="en-US" sz="1400" dirty="0" smtClean="0"/>
-              <a:t>Disconnect: </a:t>
-            </a:r>
-            <a:r>
-              <a:rPr lang="en-US" sz="1400" b="1" dirty="0" smtClean="0"/>
-              <a:t>disconnect</a:t>
-            </a:r>
-            <a:r>
-              <a:rPr lang="en-US" sz="1400" dirty="0" smtClean="0"/>
-              <a:t> </a:t>
-            </a:r>
-            <a:endParaRPr lang="en-US" sz="1400" b="1" dirty="0"/>
+              <a:rPr lang="en-US" b="1" dirty="0" err="1" smtClean="0"/>
+              <a:t>hciconfig</a:t>
+            </a:r>
+            <a:r>
+              <a:rPr lang="en-US" b="1" dirty="0" smtClean="0"/>
+              <a:t> hci0 </a:t>
+            </a:r>
+            <a:r>
+              <a:rPr lang="en-US" b="1" dirty="0" err="1" smtClean="0"/>
+              <a:t>lestates</a:t>
+            </a:r>
+            <a:r>
+              <a:rPr lang="en-US" b="1" dirty="0" smtClean="0"/>
+              <a:t>  </a:t>
+            </a:r>
+            <a:r>
+              <a:rPr lang="en-US" dirty="0" smtClean="0"/>
+              <a:t>This command should return the output given in the picture.</a:t>
+            </a:r>
+            <a:endParaRPr dirty="0"/>
+          </a:p>
+          <a:p>
+            <a:pPr>
+              <a:lnSpc>
+                <a:spcPct val="100000"/>
+              </a:lnSpc>
+            </a:pPr>
+            <a:endParaRPr dirty="0"/>
           </a:p>
         </p:txBody>
       </p:sp>
@@ -14827,6 +14662,461 @@
         </p:blipFill>
         <p:spPr>
           <a:xfrm>
+            <a:off x="529936" y="1527896"/>
+            <a:ext cx="4690064" cy="3968895"/>
+          </a:xfrm>
+          <a:prstGeom prst="rect">
+            <a:avLst/>
+          </a:prstGeom>
+        </p:spPr>
+      </p:pic>
+    </p:spTree>
+    <p:extLst>
+      <p:ext uri="{BB962C8B-B14F-4D97-AF65-F5344CB8AC3E}">
+        <p14:creationId xmlns:p14="http://schemas.microsoft.com/office/powerpoint/2010/main" val="2556245355"/>
+      </p:ext>
+    </p:extLst>
+  </p:cSld>
+  <p:clrMapOvr>
+    <a:masterClrMapping/>
+  </p:clrMapOvr>
+</p:sld>
+</file>
+
+<file path=ppt/slides/slide32.xml><?xml version="1.0" encoding="utf-8"?>
+<p:sld xmlns:a="http://schemas.openxmlformats.org/drawingml/2006/main" xmlns:r="http://schemas.openxmlformats.org/officeDocument/2006/relationships" xmlns:p="http://schemas.openxmlformats.org/presentationml/2006/main">
+  <p:cSld>
+    <p:spTree>
+      <p:nvGrpSpPr>
+        <p:cNvPr id="1" name=""/>
+        <p:cNvGrpSpPr/>
+        <p:nvPr/>
+      </p:nvGrpSpPr>
+      <p:grpSpPr>
+        <a:xfrm>
+          <a:off x="0" y="0"/>
+          <a:ext cx="0" cy="0"/>
+          <a:chOff x="0" y="0"/>
+          <a:chExt cx="0" cy="0"/>
+        </a:xfrm>
+      </p:grpSpPr>
+      <p:sp>
+        <p:nvSpPr>
+          <p:cNvPr id="255" name="CustomShape 1"/>
+          <p:cNvSpPr/>
+          <p:nvPr/>
+        </p:nvSpPr>
+        <p:spPr>
+          <a:xfrm>
+            <a:off x="457200" y="116640"/>
+            <a:ext cx="8074440" cy="1142280"/>
+          </a:xfrm>
+          <a:prstGeom prst="rect">
+            <a:avLst/>
+          </a:prstGeom>
+          <a:noFill/>
+          <a:ln>
+            <a:noFill/>
+          </a:ln>
+        </p:spPr>
+        <p:txBody>
+          <a:bodyPr lIns="90000" tIns="45000" rIns="90000" bIns="45000" anchor="ctr"/>
+          <a:lstStyle/>
+          <a:p>
+            <a:pPr algn="r">
+              <a:lnSpc>
+                <a:spcPct val="100000"/>
+              </a:lnSpc>
+            </a:pPr>
+            <a:r>
+              <a:rPr lang="en-IN" sz="3600" dirty="0" smtClean="0">
+                <a:solidFill>
+                  <a:srgbClr val="39A9DC"/>
+                </a:solidFill>
+                <a:latin typeface="Arial"/>
+              </a:rPr>
+              <a:t>BLE </a:t>
+            </a:r>
+            <a:r>
+              <a:rPr lang="en-IN" sz="3600" dirty="0" err="1" smtClean="0">
+                <a:solidFill>
+                  <a:srgbClr val="39A9DC"/>
+                </a:solidFill>
+                <a:latin typeface="Arial"/>
+              </a:rPr>
+              <a:t>Gatttool</a:t>
+            </a:r>
+            <a:r>
+              <a:rPr lang="en-IN" sz="3600" dirty="0" smtClean="0">
+                <a:solidFill>
+                  <a:srgbClr val="39A9DC"/>
+                </a:solidFill>
+                <a:latin typeface="Arial"/>
+              </a:rPr>
+              <a:t> Interaction</a:t>
+            </a:r>
+            <a:endParaRPr dirty="0"/>
+          </a:p>
+        </p:txBody>
+      </p:sp>
+      <p:sp>
+        <p:nvSpPr>
+          <p:cNvPr id="256" name="CustomShape 2"/>
+          <p:cNvSpPr/>
+          <p:nvPr/>
+        </p:nvSpPr>
+        <p:spPr>
+          <a:xfrm>
+            <a:off x="8617680" y="678600"/>
+            <a:ext cx="544320" cy="197280"/>
+          </a:xfrm>
+          <a:prstGeom prst="rect">
+            <a:avLst/>
+          </a:prstGeom>
+          <a:noFill/>
+          <a:ln>
+            <a:noFill/>
+          </a:ln>
+        </p:spPr>
+        <p:txBody>
+          <a:bodyPr lIns="90000" tIns="45000" rIns="90000" bIns="45000" anchor="ctr"/>
+          <a:lstStyle/>
+          <a:p>
+            <a:pPr>
+              <a:lnSpc>
+                <a:spcPct val="100000"/>
+              </a:lnSpc>
+            </a:pPr>
+            <a:fld id="{88743203-4D38-42BE-9D4F-53EA78A27CE2}" type="slidenum">
+              <a:rPr lang="en-IN" sz="1200">
+                <a:solidFill>
+                  <a:srgbClr val="FFFFFF"/>
+                </a:solidFill>
+                <a:latin typeface="Arial"/>
+              </a:rPr>
+              <a:t>32</a:t>
+            </a:fld>
+            <a:endParaRPr/>
+          </a:p>
+        </p:txBody>
+      </p:sp>
+      <p:sp>
+        <p:nvSpPr>
+          <p:cNvPr id="257" name="CustomShape 3"/>
+          <p:cNvSpPr/>
+          <p:nvPr/>
+        </p:nvSpPr>
+        <p:spPr>
+          <a:xfrm>
+            <a:off x="5292000" y="1772640"/>
+            <a:ext cx="3527640" cy="4059000"/>
+          </a:xfrm>
+          <a:prstGeom prst="rect">
+            <a:avLst/>
+          </a:prstGeom>
+          <a:noFill/>
+          <a:ln>
+            <a:noFill/>
+          </a:ln>
+        </p:spPr>
+        <p:txBody>
+          <a:bodyPr lIns="90000" tIns="45000" rIns="90000" bIns="45000"/>
+          <a:lstStyle/>
+          <a:p>
+            <a:pPr marL="342900" indent="-342900">
+              <a:lnSpc>
+                <a:spcPct val="100000"/>
+              </a:lnSpc>
+              <a:buFont typeface="+mj-lt"/>
+              <a:buAutoNum type="arabicPeriod"/>
+            </a:pPr>
+            <a:r>
+              <a:rPr lang="en-US" sz="1400" dirty="0" smtClean="0"/>
+              <a:t>Find out the MAC ADDR of the other device using </a:t>
+            </a:r>
+          </a:p>
+          <a:p>
+            <a:pPr lvl="1"/>
+            <a:r>
+              <a:rPr lang="en-US" sz="1400" b="1" dirty="0" err="1" smtClean="0"/>
+              <a:t>sudo</a:t>
+            </a:r>
+            <a:r>
+              <a:rPr lang="en-US" sz="1400" b="1" dirty="0" smtClean="0"/>
+              <a:t> </a:t>
+            </a:r>
+            <a:r>
+              <a:rPr lang="en-US" sz="1400" b="1" dirty="0" err="1" smtClean="0"/>
+              <a:t>hcitool</a:t>
+            </a:r>
+            <a:r>
+              <a:rPr lang="en-US" sz="1400" b="1" dirty="0" smtClean="0"/>
+              <a:t> </a:t>
+            </a:r>
+            <a:r>
+              <a:rPr lang="en-US" sz="1400" b="1" dirty="0" err="1" smtClean="0"/>
+              <a:t>lescan</a:t>
+            </a:r>
+            <a:endParaRPr lang="en-US" sz="1400" b="1" dirty="0"/>
+          </a:p>
+          <a:p>
+            <a:pPr marL="342900" indent="-342900">
+              <a:buFont typeface="+mj-lt"/>
+              <a:buAutoNum type="arabicPeriod"/>
+            </a:pPr>
+            <a:r>
+              <a:rPr lang="en-US" sz="1400" dirty="0" smtClean="0"/>
+              <a:t>Open interactive session using </a:t>
+            </a:r>
+            <a:r>
+              <a:rPr lang="en-US" sz="1400" dirty="0" err="1" smtClean="0"/>
+              <a:t>gatttool</a:t>
+            </a:r>
+            <a:r>
+              <a:rPr lang="en-US" sz="1400" dirty="0" smtClean="0"/>
+              <a:t>: </a:t>
+            </a:r>
+          </a:p>
+          <a:p>
+            <a:pPr lvl="1"/>
+            <a:r>
+              <a:rPr lang="en-US" sz="1400" b="1" dirty="0" err="1" smtClean="0"/>
+              <a:t>sudo</a:t>
+            </a:r>
+            <a:r>
+              <a:rPr lang="en-US" sz="1400" b="1" dirty="0" smtClean="0"/>
+              <a:t> </a:t>
+            </a:r>
+            <a:r>
+              <a:rPr lang="en-US" sz="1400" b="1" dirty="0" err="1" smtClean="0"/>
+              <a:t>gatttool</a:t>
+            </a:r>
+            <a:r>
+              <a:rPr lang="en-US" sz="1400" b="1" dirty="0" smtClean="0"/>
+              <a:t> -</a:t>
+            </a:r>
+            <a:r>
+              <a:rPr lang="en-US" sz="1400" b="1" dirty="0" err="1" smtClean="0"/>
+              <a:t>i</a:t>
+            </a:r>
+            <a:r>
+              <a:rPr lang="en-US" sz="1400" b="1" dirty="0" smtClean="0"/>
+              <a:t> hci0 -b MAC ADDR –I</a:t>
+            </a:r>
+            <a:endParaRPr lang="en-US" sz="1400" b="1" dirty="0"/>
+          </a:p>
+          <a:p>
+            <a:pPr marL="342900" indent="-342900">
+              <a:buFont typeface="+mj-lt"/>
+              <a:buAutoNum type="arabicPeriod"/>
+            </a:pPr>
+            <a:r>
+              <a:rPr lang="en-US" sz="1400" dirty="0" smtClean="0"/>
+              <a:t>In the interactive </a:t>
+            </a:r>
+            <a:r>
+              <a:rPr lang="en-US" sz="1400" dirty="0" err="1" smtClean="0"/>
+              <a:t>sesssion</a:t>
+            </a:r>
+            <a:r>
+              <a:rPr lang="en-US" sz="1400" dirty="0" smtClean="0"/>
+              <a:t> type in the following commands: </a:t>
+            </a:r>
+            <a:r>
+              <a:rPr lang="en-US" sz="1400" b="1" dirty="0" smtClean="0"/>
+              <a:t>connect</a:t>
+            </a:r>
+          </a:p>
+          <a:p>
+            <a:pPr marL="342900" indent="-342900">
+              <a:buFont typeface="+mj-lt"/>
+              <a:buAutoNum type="arabicPeriod"/>
+            </a:pPr>
+            <a:r>
+              <a:rPr lang="en-US" sz="1400" dirty="0" smtClean="0"/>
+              <a:t>Read profiles: </a:t>
+            </a:r>
+            <a:r>
+              <a:rPr lang="en-US" sz="1400" b="1" dirty="0" smtClean="0"/>
+              <a:t>primary</a:t>
+            </a:r>
+          </a:p>
+          <a:p>
+            <a:pPr marL="342900" indent="-342900">
+              <a:buFont typeface="+mj-lt"/>
+              <a:buAutoNum type="arabicPeriod"/>
+            </a:pPr>
+            <a:r>
+              <a:rPr lang="en-US" sz="1400" dirty="0" smtClean="0"/>
+              <a:t>Read all available </a:t>
+            </a:r>
+            <a:r>
+              <a:rPr lang="en-US" sz="1400" dirty="0" err="1" smtClean="0"/>
+              <a:t>characterstics</a:t>
+            </a:r>
+            <a:r>
+              <a:rPr lang="en-US" sz="1400" dirty="0" smtClean="0"/>
+              <a:t>: </a:t>
+            </a:r>
+            <a:r>
+              <a:rPr lang="en-US" sz="1400" b="1" dirty="0" smtClean="0"/>
+              <a:t>char-</a:t>
+            </a:r>
+            <a:r>
+              <a:rPr lang="en-US" sz="1400" b="1" dirty="0" err="1" smtClean="0"/>
+              <a:t>desc</a:t>
+            </a:r>
+            <a:endParaRPr lang="en-US" sz="1400" b="1" dirty="0" smtClean="0"/>
+          </a:p>
+          <a:p>
+            <a:pPr marL="342900" indent="-342900">
+              <a:buFont typeface="+mj-lt"/>
+              <a:buAutoNum type="arabicPeriod"/>
+            </a:pPr>
+            <a:r>
+              <a:rPr lang="en-US" sz="1400" dirty="0" smtClean="0"/>
+              <a:t>Read the value of a </a:t>
+            </a:r>
+            <a:r>
+              <a:rPr lang="en-US" sz="1400" dirty="0" err="1" smtClean="0"/>
+              <a:t>characterstic</a:t>
+            </a:r>
+            <a:r>
+              <a:rPr lang="en-US" sz="1400" dirty="0" smtClean="0"/>
+              <a:t>: </a:t>
+            </a:r>
+            <a:r>
+              <a:rPr lang="en-US" sz="1400" b="1" dirty="0" smtClean="0"/>
+              <a:t>char-read-</a:t>
+            </a:r>
+            <a:r>
+              <a:rPr lang="en-US" sz="1400" b="1" dirty="0" err="1" smtClean="0"/>
+              <a:t>hnd</a:t>
+            </a:r>
+            <a:r>
+              <a:rPr lang="en-US" sz="1400" b="1" dirty="0" smtClean="0"/>
+              <a:t> The </a:t>
+            </a:r>
+            <a:r>
+              <a:rPr lang="en-US" sz="1400" b="1" dirty="0" err="1" smtClean="0"/>
+              <a:t>characterstic</a:t>
+            </a:r>
+            <a:r>
+              <a:rPr lang="en-US" sz="1400" b="1" dirty="0" smtClean="0"/>
+              <a:t> handle</a:t>
+            </a:r>
+            <a:r>
+              <a:rPr lang="en-US" sz="1400" dirty="0" smtClean="0"/>
+              <a:t> </a:t>
+            </a:r>
+          </a:p>
+          <a:p>
+            <a:pPr marL="342900" indent="-342900">
+              <a:buFont typeface="+mj-lt"/>
+              <a:buAutoNum type="arabicPeriod"/>
+            </a:pPr>
+            <a:r>
+              <a:rPr lang="en-US" sz="1400" dirty="0" smtClean="0"/>
+              <a:t>Write to a particular </a:t>
+            </a:r>
+            <a:r>
+              <a:rPr lang="en-US" sz="1400" dirty="0" err="1" smtClean="0"/>
+              <a:t>characterstc</a:t>
+            </a:r>
+            <a:r>
+              <a:rPr lang="en-US" sz="1400" dirty="0" smtClean="0"/>
+              <a:t>: </a:t>
+            </a:r>
+            <a:r>
+              <a:rPr lang="en-US" sz="1400" b="1" dirty="0" smtClean="0"/>
+              <a:t>char-write-</a:t>
+            </a:r>
+            <a:r>
+              <a:rPr lang="en-US" sz="1400" b="1" dirty="0" err="1" smtClean="0"/>
+              <a:t>cmd</a:t>
+            </a:r>
+            <a:r>
+              <a:rPr lang="en-US" sz="1400" b="1" dirty="0" smtClean="0"/>
+              <a:t> handle Value in Hex</a:t>
+            </a:r>
+          </a:p>
+          <a:p>
+            <a:pPr marL="342900" indent="-342900">
+              <a:buFont typeface="+mj-lt"/>
+              <a:buAutoNum type="arabicPeriod"/>
+            </a:pPr>
+            <a:r>
+              <a:rPr lang="en-US" sz="1400" dirty="0" smtClean="0"/>
+              <a:t>Disconnect: </a:t>
+            </a:r>
+            <a:r>
+              <a:rPr lang="en-US" sz="1400" b="1" dirty="0" smtClean="0"/>
+              <a:t>disconnect</a:t>
+            </a:r>
+            <a:r>
+              <a:rPr lang="en-US" sz="1400" dirty="0" smtClean="0"/>
+              <a:t> </a:t>
+            </a:r>
+            <a:endParaRPr lang="en-US" sz="1400" b="1" dirty="0"/>
+          </a:p>
+        </p:txBody>
+      </p:sp>
+      <p:sp>
+        <p:nvSpPr>
+          <p:cNvPr id="258" name="CustomShape 4"/>
+          <p:cNvSpPr/>
+          <p:nvPr/>
+        </p:nvSpPr>
+        <p:spPr>
+          <a:xfrm>
+            <a:off x="5364000" y="2637000"/>
+            <a:ext cx="3383640" cy="1368720"/>
+          </a:xfrm>
+          <a:prstGeom prst="rect">
+            <a:avLst/>
+          </a:prstGeom>
+          <a:noFill/>
+          <a:ln>
+            <a:noFill/>
+          </a:ln>
+        </p:spPr>
+      </p:sp>
+      <p:sp>
+        <p:nvSpPr>
+          <p:cNvPr id="259" name="CustomShape 5"/>
+          <p:cNvSpPr/>
+          <p:nvPr/>
+        </p:nvSpPr>
+        <p:spPr>
+          <a:xfrm>
+            <a:off x="5436000" y="4941000"/>
+            <a:ext cx="3311640" cy="729360"/>
+          </a:xfrm>
+          <a:prstGeom prst="rect">
+            <a:avLst/>
+          </a:prstGeom>
+          <a:noFill/>
+          <a:ln>
+            <a:noFill/>
+          </a:ln>
+        </p:spPr>
+      </p:sp>
+      <p:pic>
+        <p:nvPicPr>
+          <p:cNvPr id="2" name="Picture 1"/>
+          <p:cNvPicPr>
+            <a:picLocks noChangeAspect="1"/>
+          </p:cNvPicPr>
+          <p:nvPr/>
+        </p:nvPicPr>
+        <p:blipFill>
+          <a:blip r:embed="rId2"/>
+          <a:stretch>
+            <a:fillRect/>
+          </a:stretch>
+        </p:blipFill>
+        <p:spPr>
+          <a:xfrm>
             <a:off x="457200" y="1258920"/>
             <a:ext cx="4500130" cy="4411439"/>
           </a:xfrm>
@@ -14848,7 +15138,7 @@
 </p:sld>
 </file>
 
-<file path=ppt/slides/slide31.xml><?xml version="1.0" encoding="utf-8"?>
+<file path=ppt/slides/slide33.xml><?xml version="1.0" encoding="utf-8"?>
 <p:sld xmlns:a="http://schemas.openxmlformats.org/drawingml/2006/main" xmlns:r="http://schemas.openxmlformats.org/officeDocument/2006/relationships" xmlns:p="http://schemas.openxmlformats.org/presentationml/2006/main">
   <p:cSld>
     <p:spTree>
